--- a/Android构建系统.pptx
+++ b/Android构建系统.pptx
@@ -26960,7 +26960,11 @@
         <p:nvGraphicFramePr>
           <p:cNvPr id="2" name="表格 1"/>
           <p:cNvGraphicFramePr/>
-          <p:nvPr/>
+          <p:nvPr>
+            <p:custDataLst>
+              <p:tags r:id="rId1"/>
+            </p:custDataLst>
+          </p:nvPr>
         </p:nvGraphicFramePr>
         <p:xfrm>
           <a:off x="8851900" y="936625"/>
@@ -31621,19 +31625,31 @@
               <a:rPr sz="2000" dirty="0" smtClean="0">
                 <a:latin typeface="宋体" panose="02010600030101010101" pitchFamily="2" charset="-122"/>
               </a:rPr>
-              <a:t>，其他所有 Make 文件都是在这个框架的基础上编写出来的。</a:t>
-            </a:r>
-            <a:r>
-              <a:rPr lang="zh-CN" sz="2000" dirty="0" smtClean="0">
+              <a:t>，其</a:t>
+            </a:r>
+            <a:r>
+              <a:rPr sz="2000" b="1" dirty="0" smtClean="0">
+                <a:latin typeface="宋体" panose="02010600030101010101" pitchFamily="2" charset="-122"/>
+              </a:rPr>
+              <a:t>他所有 Make 文件都是在这个框架的基础上编写出来的。</a:t>
+            </a:r>
+            <a:r>
+              <a:rPr lang="zh-CN" sz="2000" b="1" dirty="0" smtClean="0">
                 <a:latin typeface="宋体" panose="02010600030101010101" pitchFamily="2" charset="-122"/>
               </a:rPr>
               <a:t>右图</a:t>
             </a:r>
             <a:r>
+              <a:rPr sz="2000" b="1" dirty="0" smtClean="0">
+                <a:latin typeface="宋体" panose="02010600030101010101" pitchFamily="2" charset="-122"/>
+              </a:rPr>
+              <a:t>是 Android 源码树的目录结构</a:t>
+            </a:r>
+            <a:r>
               <a:rPr sz="2000" dirty="0" smtClean="0">
                 <a:latin typeface="宋体" panose="02010600030101010101" pitchFamily="2" charset="-122"/>
               </a:rPr>
-              <a:t>是 Android 源码树的目录结构。</a:t>
+              <a:t>。</a:t>
             </a:r>
             <a:endParaRPr sz="2000" dirty="0" smtClean="0">
               <a:latin typeface="宋体" panose="02010600030101010101" pitchFamily="2" charset="-122"/>
@@ -35267,6 +35283,12 @@
     </p:tnLst>
   </p:timing>
 </p:sld>
+</file>
+
+<file path=ppt/tags/tag1.xml><?xml version="1.0" encoding="utf-8"?>
+<p:tagLst xmlns:p="http://schemas.openxmlformats.org/presentationml/2006/main">
+  <p:tag name="KSO_WM_UNIT_TABLE_BEAUTIFY" val="smartTable{59c4b940-d0b6-4411-a68f-58788c1f2964}"/>
+</p:tagLst>
 </file>
 
 <file path=ppt/theme/theme1.xml><?xml version="1.0" encoding="utf-8"?>
